--- a/images/images.pptx
+++ b/images/images.pptx
@@ -104,6 +104,11 @@
       </a:defRPr>
     </a:lvl9pPr>
   </p:defaultTextStyle>
+  <p:extLst>
+    <p:ext uri="{EFAFB233-063F-42B5-8137-9DF3F51BA10A}">
+      <p15:sldGuideLst xmlns:p15="http://schemas.microsoft.com/office/powerpoint/2012/main"/>
+    </p:ext>
+  </p:extLst>
 </p:presentation>
 </file>
 
@@ -256,7 +261,7 @@
           <a:p>
             <a:fld id="{DDD5949D-868D-454B-B863-777A591AB920}" type="datetimeFigureOut">
               <a:rPr lang="es-CL" smtClean="0"/>
-              <a:t>12-08-21</a:t>
+              <a:t>20-09-21</a:t>
             </a:fld>
             <a:endParaRPr lang="es-CL"/>
           </a:p>
@@ -456,7 +461,7 @@
           <a:p>
             <a:fld id="{DDD5949D-868D-454B-B863-777A591AB920}" type="datetimeFigureOut">
               <a:rPr lang="es-CL" smtClean="0"/>
-              <a:t>12-08-21</a:t>
+              <a:t>20-09-21</a:t>
             </a:fld>
             <a:endParaRPr lang="es-CL"/>
           </a:p>
@@ -666,7 +671,7 @@
           <a:p>
             <a:fld id="{DDD5949D-868D-454B-B863-777A591AB920}" type="datetimeFigureOut">
               <a:rPr lang="es-CL" smtClean="0"/>
-              <a:t>12-08-21</a:t>
+              <a:t>20-09-21</a:t>
             </a:fld>
             <a:endParaRPr lang="es-CL"/>
           </a:p>
@@ -866,7 +871,7 @@
           <a:p>
             <a:fld id="{DDD5949D-868D-454B-B863-777A591AB920}" type="datetimeFigureOut">
               <a:rPr lang="es-CL" smtClean="0"/>
-              <a:t>12-08-21</a:t>
+              <a:t>20-09-21</a:t>
             </a:fld>
             <a:endParaRPr lang="es-CL"/>
           </a:p>
@@ -1142,7 +1147,7 @@
           <a:p>
             <a:fld id="{DDD5949D-868D-454B-B863-777A591AB920}" type="datetimeFigureOut">
               <a:rPr lang="es-CL" smtClean="0"/>
-              <a:t>12-08-21</a:t>
+              <a:t>20-09-21</a:t>
             </a:fld>
             <a:endParaRPr lang="es-CL"/>
           </a:p>
@@ -1410,7 +1415,7 @@
           <a:p>
             <a:fld id="{DDD5949D-868D-454B-B863-777A591AB920}" type="datetimeFigureOut">
               <a:rPr lang="es-CL" smtClean="0"/>
-              <a:t>12-08-21</a:t>
+              <a:t>20-09-21</a:t>
             </a:fld>
             <a:endParaRPr lang="es-CL"/>
           </a:p>
@@ -1825,7 +1830,7 @@
           <a:p>
             <a:fld id="{DDD5949D-868D-454B-B863-777A591AB920}" type="datetimeFigureOut">
               <a:rPr lang="es-CL" smtClean="0"/>
-              <a:t>12-08-21</a:t>
+              <a:t>20-09-21</a:t>
             </a:fld>
             <a:endParaRPr lang="es-CL"/>
           </a:p>
@@ -1967,7 +1972,7 @@
           <a:p>
             <a:fld id="{DDD5949D-868D-454B-B863-777A591AB920}" type="datetimeFigureOut">
               <a:rPr lang="es-CL" smtClean="0"/>
-              <a:t>12-08-21</a:t>
+              <a:t>20-09-21</a:t>
             </a:fld>
             <a:endParaRPr lang="es-CL"/>
           </a:p>
@@ -2080,7 +2085,7 @@
           <a:p>
             <a:fld id="{DDD5949D-868D-454B-B863-777A591AB920}" type="datetimeFigureOut">
               <a:rPr lang="es-CL" smtClean="0"/>
-              <a:t>12-08-21</a:t>
+              <a:t>20-09-21</a:t>
             </a:fld>
             <a:endParaRPr lang="es-CL"/>
           </a:p>
@@ -2393,7 +2398,7 @@
           <a:p>
             <a:fld id="{DDD5949D-868D-454B-B863-777A591AB920}" type="datetimeFigureOut">
               <a:rPr lang="es-CL" smtClean="0"/>
-              <a:t>12-08-21</a:t>
+              <a:t>20-09-21</a:t>
             </a:fld>
             <a:endParaRPr lang="es-CL"/>
           </a:p>
@@ -2682,7 +2687,7 @@
           <a:p>
             <a:fld id="{DDD5949D-868D-454B-B863-777A591AB920}" type="datetimeFigureOut">
               <a:rPr lang="es-CL" smtClean="0"/>
-              <a:t>12-08-21</a:t>
+              <a:t>20-09-21</a:t>
             </a:fld>
             <a:endParaRPr lang="es-CL"/>
           </a:p>
@@ -2925,7 +2930,7 @@
           <a:p>
             <a:fld id="{DDD5949D-868D-454B-B863-777A591AB920}" type="datetimeFigureOut">
               <a:rPr lang="es-CL" smtClean="0"/>
-              <a:t>12-08-21</a:t>
+              <a:t>20-09-21</a:t>
             </a:fld>
             <a:endParaRPr lang="es-CL"/>
           </a:p>
@@ -3543,6 +3548,53 @@
           </a:p>
         </p:txBody>
       </p:sp>
+      <p:sp>
+        <p:nvSpPr>
+          <p:cNvPr id="6" name="CuadroTexto 5">
+            <a:extLst>
+              <a:ext uri="{FF2B5EF4-FFF2-40B4-BE49-F238E27FC236}">
+                <a16:creationId xmlns:a16="http://schemas.microsoft.com/office/drawing/2014/main" id="{A185373E-81C5-C94B-88CE-4F2F9A3B2441}"/>
+              </a:ext>
+            </a:extLst>
+          </p:cNvPr>
+          <p:cNvSpPr txBox="1"/>
+          <p:nvPr/>
+        </p:nvSpPr>
+        <p:spPr>
+          <a:xfrm>
+            <a:off x="8911540" y="1944914"/>
+            <a:ext cx="1409360" cy="1323439"/>
+          </a:xfrm>
+          <a:prstGeom prst="rect">
+            <a:avLst/>
+          </a:prstGeom>
+          <a:noFill/>
+        </p:spPr>
+        <p:txBody>
+          <a:bodyPr wrap="none" rtlCol="0">
+            <a:spAutoFit/>
+          </a:bodyPr>
+          <a:lstStyle/>
+          <a:p>
+            <a:pPr algn="ctr"/>
+            <a:r>
+              <a:rPr lang="es-CL" sz="4000" b="1" dirty="0">
+                <a:cs typeface="Broadway" panose="020F0502020204030204" pitchFamily="34" charset="0"/>
+              </a:rPr>
+              <a:t>AMW</a:t>
+            </a:r>
+          </a:p>
+          <a:p>
+            <a:pPr algn="ctr"/>
+            <a:r>
+              <a:rPr lang="es-CL" sz="4000" b="1" dirty="0">
+                <a:cs typeface="Broadway" panose="020F0502020204030204" pitchFamily="34" charset="0"/>
+              </a:rPr>
+              <a:t>2021</a:t>
+            </a:r>
+          </a:p>
+        </p:txBody>
+      </p:sp>
     </p:spTree>
     <p:extLst>
       <p:ext uri="{BB962C8B-B14F-4D97-AF65-F5344CB8AC3E}">
